--- a/Tesina&Relazione/Tesina_Presentazione.pptx
+++ b/Tesina&Relazione/Tesina_Presentazione.pptx
@@ -5,15 +5,17 @@
     <p:sldMasterId id="2147483648" r:id="rId1"/>
   </p:sldMasterIdLst>
   <p:sldIdLst>
-    <p:sldId id="256" r:id="rId7"/>
-    <p:sldId id="257" r:id="rId8"/>
-    <p:sldId id="258" r:id="rId9"/>
-    <p:sldId id="259" r:id="rId10"/>
-    <p:sldId id="260" r:id="rId11"/>
-    <p:sldId id="261" r:id="rId12"/>
-    <p:sldId id="262" r:id="rId13"/>
-    <p:sldId id="263" r:id="rId14"/>
-    <p:sldId id="264" r:id="rId15"/>
+    <p:sldId id="256" r:id="rId2"/>
+    <p:sldId id="257" r:id="rId3"/>
+    <p:sldId id="258" r:id="rId4"/>
+    <p:sldId id="259" r:id="rId5"/>
+    <p:sldId id="260" r:id="rId6"/>
+    <p:sldId id="261" r:id="rId7"/>
+    <p:sldId id="262" r:id="rId8"/>
+    <p:sldId id="263" r:id="rId9"/>
+    <p:sldId id="266" r:id="rId10"/>
+    <p:sldId id="267" r:id="rId11"/>
+    <p:sldId id="264" r:id="rId12"/>
   </p:sldIdLst>
   <p:sldSz cx="9144000" cy="6858000" type="screen4x3"/>
   <p:notesSz cx="6858000" cy="9144000"/>
@@ -112,6 +114,22 @@
       </a:defRPr>
     </a:lvl9pPr>
   </p:defaultTextStyle>
+  <p:extLst>
+    <p:ext uri="{EFAFB233-063F-42B5-8137-9DF3F51BA10A}">
+      <p15:sldGuideLst xmlns:p15="http://schemas.microsoft.com/office/powerpoint/2012/main">
+        <p15:guide id="1" orient="horz" pos="2160">
+          <p15:clr>
+            <a:srgbClr val="A4A3A4"/>
+          </p15:clr>
+        </p15:guide>
+        <p15:guide id="2" pos="2880">
+          <p15:clr>
+            <a:srgbClr val="A4A3A4"/>
+          </p15:clr>
+        </p15:guide>
+      </p15:sldGuideLst>
+    </p:ext>
+  </p:extLst>
 </p:presentation>
 </file>
 
@@ -153,10 +171,9 @@
           <a:lstStyle/>
           <a:p>
             <a:r>
-              <a:rPr lang="en-US" smtClean="0"/>
+              <a:rPr lang="en-US"/>
               <a:t>Click to edit Master title style</a:t>
             </a:r>
-            <a:endParaRPr lang="en-US"/>
           </a:p>
         </p:txBody>
       </p:sp>
@@ -272,10 +289,9 @@
           </a:lstStyle>
           <a:p>
             <a:r>
-              <a:rPr lang="en-US" smtClean="0"/>
+              <a:rPr lang="en-US"/>
               <a:t>Click to edit Master subtitle style</a:t>
             </a:r>
-            <a:endParaRPr lang="en-US"/>
           </a:p>
         </p:txBody>
       </p:sp>
@@ -296,7 +312,7 @@
           <a:p>
             <a:fld id="{5BCAD085-E8A6-8845-BD4E-CB4CCA059FC4}" type="datetimeFigureOut">
               <a:rPr lang="en-US" smtClean="0"/>
-              <a:t>1/27/13</a:t>
+              <a:t>4/11/2025</a:t>
             </a:fld>
             <a:endParaRPr lang="en-US"/>
           </a:p>
@@ -338,7 +354,7 @@
           <a:p>
             <a:fld id="{C1FF6DA9-008F-8B48-92A6-B652298478BF}" type="slidenum">
               <a:rPr lang="en-US" smtClean="0"/>
-              <a:t>‹#›</a:t>
+              <a:t>‹N›</a:t>
             </a:fld>
             <a:endParaRPr lang="en-US"/>
           </a:p>
@@ -390,10 +406,9 @@
           <a:lstStyle/>
           <a:p>
             <a:r>
-              <a:rPr lang="en-US" smtClean="0"/>
+              <a:rPr lang="en-US"/>
               <a:t>Click to edit Master title style</a:t>
             </a:r>
-            <a:endParaRPr lang="en-US"/>
           </a:p>
         </p:txBody>
       </p:sp>
@@ -414,38 +429,37 @@
           <a:p>
             <a:pPr lvl="0"/>
             <a:r>
-              <a:rPr lang="en-US" smtClean="0"/>
+              <a:rPr lang="en-US"/>
               <a:t>Click to edit Master text styles</a:t>
             </a:r>
           </a:p>
           <a:p>
             <a:pPr lvl="1"/>
             <a:r>
-              <a:rPr lang="en-US" smtClean="0"/>
+              <a:rPr lang="en-US"/>
               <a:t>Second level</a:t>
             </a:r>
           </a:p>
           <a:p>
             <a:pPr lvl="2"/>
             <a:r>
-              <a:rPr lang="en-US" smtClean="0"/>
+              <a:rPr lang="en-US"/>
               <a:t>Third level</a:t>
             </a:r>
           </a:p>
           <a:p>
             <a:pPr lvl="3"/>
             <a:r>
-              <a:rPr lang="en-US" smtClean="0"/>
+              <a:rPr lang="en-US"/>
               <a:t>Fourth level</a:t>
             </a:r>
           </a:p>
           <a:p>
             <a:pPr lvl="4"/>
             <a:r>
-              <a:rPr lang="en-US" smtClean="0"/>
+              <a:rPr lang="en-US"/>
               <a:t>Fifth level</a:t>
             </a:r>
-            <a:endParaRPr lang="en-US"/>
           </a:p>
         </p:txBody>
       </p:sp>
@@ -466,7 +480,7 @@
           <a:p>
             <a:fld id="{5BCAD085-E8A6-8845-BD4E-CB4CCA059FC4}" type="datetimeFigureOut">
               <a:rPr lang="en-US" smtClean="0"/>
-              <a:t>1/27/13</a:t>
+              <a:t>4/11/2025</a:t>
             </a:fld>
             <a:endParaRPr lang="en-US"/>
           </a:p>
@@ -508,7 +522,7 @@
           <a:p>
             <a:fld id="{C1FF6DA9-008F-8B48-92A6-B652298478BF}" type="slidenum">
               <a:rPr lang="en-US" smtClean="0"/>
-              <a:t>‹#›</a:t>
+              <a:t>‹N›</a:t>
             </a:fld>
             <a:endParaRPr lang="en-US"/>
           </a:p>
@@ -565,10 +579,9 @@
           <a:lstStyle/>
           <a:p>
             <a:r>
-              <a:rPr lang="en-US" smtClean="0"/>
+              <a:rPr lang="en-US"/>
               <a:t>Click to edit Master title style</a:t>
             </a:r>
-            <a:endParaRPr lang="en-US"/>
           </a:p>
         </p:txBody>
       </p:sp>
@@ -594,38 +607,37 @@
           <a:p>
             <a:pPr lvl="0"/>
             <a:r>
-              <a:rPr lang="en-US" smtClean="0"/>
+              <a:rPr lang="en-US"/>
               <a:t>Click to edit Master text styles</a:t>
             </a:r>
           </a:p>
           <a:p>
             <a:pPr lvl="1"/>
             <a:r>
-              <a:rPr lang="en-US" smtClean="0"/>
+              <a:rPr lang="en-US"/>
               <a:t>Second level</a:t>
             </a:r>
           </a:p>
           <a:p>
             <a:pPr lvl="2"/>
             <a:r>
-              <a:rPr lang="en-US" smtClean="0"/>
+              <a:rPr lang="en-US"/>
               <a:t>Third level</a:t>
             </a:r>
           </a:p>
           <a:p>
             <a:pPr lvl="3"/>
             <a:r>
-              <a:rPr lang="en-US" smtClean="0"/>
+              <a:rPr lang="en-US"/>
               <a:t>Fourth level</a:t>
             </a:r>
           </a:p>
           <a:p>
             <a:pPr lvl="4"/>
             <a:r>
-              <a:rPr lang="en-US" smtClean="0"/>
+              <a:rPr lang="en-US"/>
               <a:t>Fifth level</a:t>
             </a:r>
-            <a:endParaRPr lang="en-US"/>
           </a:p>
         </p:txBody>
       </p:sp>
@@ -646,7 +658,7 @@
           <a:p>
             <a:fld id="{5BCAD085-E8A6-8845-BD4E-CB4CCA059FC4}" type="datetimeFigureOut">
               <a:rPr lang="en-US" smtClean="0"/>
-              <a:t>1/27/13</a:t>
+              <a:t>4/11/2025</a:t>
             </a:fld>
             <a:endParaRPr lang="en-US"/>
           </a:p>
@@ -688,7 +700,7 @@
           <a:p>
             <a:fld id="{C1FF6DA9-008F-8B48-92A6-B652298478BF}" type="slidenum">
               <a:rPr lang="en-US" smtClean="0"/>
-              <a:t>‹#›</a:t>
+              <a:t>‹N›</a:t>
             </a:fld>
             <a:endParaRPr lang="en-US"/>
           </a:p>
@@ -740,10 +752,9 @@
           <a:lstStyle/>
           <a:p>
             <a:r>
-              <a:rPr lang="en-US" smtClean="0"/>
+              <a:rPr lang="en-US"/>
               <a:t>Click to edit Master title style</a:t>
             </a:r>
-            <a:endParaRPr lang="en-US"/>
           </a:p>
         </p:txBody>
       </p:sp>
@@ -764,38 +775,37 @@
           <a:p>
             <a:pPr lvl="0"/>
             <a:r>
-              <a:rPr lang="en-US" smtClean="0"/>
+              <a:rPr lang="en-US"/>
               <a:t>Click to edit Master text styles</a:t>
             </a:r>
           </a:p>
           <a:p>
             <a:pPr lvl="1"/>
             <a:r>
-              <a:rPr lang="en-US" smtClean="0"/>
+              <a:rPr lang="en-US"/>
               <a:t>Second level</a:t>
             </a:r>
           </a:p>
           <a:p>
             <a:pPr lvl="2"/>
             <a:r>
-              <a:rPr lang="en-US" smtClean="0"/>
+              <a:rPr lang="en-US"/>
               <a:t>Third level</a:t>
             </a:r>
           </a:p>
           <a:p>
             <a:pPr lvl="3"/>
             <a:r>
-              <a:rPr lang="en-US" smtClean="0"/>
+              <a:rPr lang="en-US"/>
               <a:t>Fourth level</a:t>
             </a:r>
           </a:p>
           <a:p>
             <a:pPr lvl="4"/>
             <a:r>
-              <a:rPr lang="en-US" smtClean="0"/>
+              <a:rPr lang="en-US"/>
               <a:t>Fifth level</a:t>
             </a:r>
-            <a:endParaRPr lang="en-US"/>
           </a:p>
         </p:txBody>
       </p:sp>
@@ -816,7 +826,7 @@
           <a:p>
             <a:fld id="{5BCAD085-E8A6-8845-BD4E-CB4CCA059FC4}" type="datetimeFigureOut">
               <a:rPr lang="en-US" smtClean="0"/>
-              <a:t>1/27/13</a:t>
+              <a:t>4/11/2025</a:t>
             </a:fld>
             <a:endParaRPr lang="en-US"/>
           </a:p>
@@ -858,7 +868,7 @@
           <a:p>
             <a:fld id="{C1FF6DA9-008F-8B48-92A6-B652298478BF}" type="slidenum">
               <a:rPr lang="en-US" smtClean="0"/>
-              <a:t>‹#›</a:t>
+              <a:t>‹N›</a:t>
             </a:fld>
             <a:endParaRPr lang="en-US"/>
           </a:p>
@@ -919,10 +929,9 @@
           </a:lstStyle>
           <a:p>
             <a:r>
-              <a:rPr lang="en-US" smtClean="0"/>
+              <a:rPr lang="en-US"/>
               <a:t>Click to edit Master title style</a:t>
             </a:r>
-            <a:endParaRPr lang="en-US"/>
           </a:p>
         </p:txBody>
       </p:sp>
@@ -1039,7 +1048,7 @@
           <a:p>
             <a:pPr lvl="0"/>
             <a:r>
-              <a:rPr lang="en-US" smtClean="0"/>
+              <a:rPr lang="en-US"/>
               <a:t>Click to edit Master text styles</a:t>
             </a:r>
           </a:p>
@@ -1062,7 +1071,7 @@
           <a:p>
             <a:fld id="{5BCAD085-E8A6-8845-BD4E-CB4CCA059FC4}" type="datetimeFigureOut">
               <a:rPr lang="en-US" smtClean="0"/>
-              <a:t>1/27/13</a:t>
+              <a:t>4/11/2025</a:t>
             </a:fld>
             <a:endParaRPr lang="en-US"/>
           </a:p>
@@ -1104,7 +1113,7 @@
           <a:p>
             <a:fld id="{C1FF6DA9-008F-8B48-92A6-B652298478BF}" type="slidenum">
               <a:rPr lang="en-US" smtClean="0"/>
-              <a:t>‹#›</a:t>
+              <a:t>‹N›</a:t>
             </a:fld>
             <a:endParaRPr lang="en-US"/>
           </a:p>
@@ -1156,10 +1165,9 @@
           <a:lstStyle/>
           <a:p>
             <a:r>
-              <a:rPr lang="en-US" smtClean="0"/>
+              <a:rPr lang="en-US"/>
               <a:t>Click to edit Master title style</a:t>
             </a:r>
-            <a:endParaRPr lang="en-US"/>
           </a:p>
         </p:txBody>
       </p:sp>
@@ -1213,38 +1221,37 @@
           <a:p>
             <a:pPr lvl="0"/>
             <a:r>
-              <a:rPr lang="en-US" smtClean="0"/>
+              <a:rPr lang="en-US"/>
               <a:t>Click to edit Master text styles</a:t>
             </a:r>
           </a:p>
           <a:p>
             <a:pPr lvl="1"/>
             <a:r>
-              <a:rPr lang="en-US" smtClean="0"/>
+              <a:rPr lang="en-US"/>
               <a:t>Second level</a:t>
             </a:r>
           </a:p>
           <a:p>
             <a:pPr lvl="2"/>
             <a:r>
-              <a:rPr lang="en-US" smtClean="0"/>
+              <a:rPr lang="en-US"/>
               <a:t>Third level</a:t>
             </a:r>
           </a:p>
           <a:p>
             <a:pPr lvl="3"/>
             <a:r>
-              <a:rPr lang="en-US" smtClean="0"/>
+              <a:rPr lang="en-US"/>
               <a:t>Fourth level</a:t>
             </a:r>
           </a:p>
           <a:p>
             <a:pPr lvl="4"/>
             <a:r>
-              <a:rPr lang="en-US" smtClean="0"/>
+              <a:rPr lang="en-US"/>
               <a:t>Fifth level</a:t>
             </a:r>
-            <a:endParaRPr lang="en-US"/>
           </a:p>
         </p:txBody>
       </p:sp>
@@ -1298,38 +1305,37 @@
           <a:p>
             <a:pPr lvl="0"/>
             <a:r>
-              <a:rPr lang="en-US" smtClean="0"/>
+              <a:rPr lang="en-US"/>
               <a:t>Click to edit Master text styles</a:t>
             </a:r>
           </a:p>
           <a:p>
             <a:pPr lvl="1"/>
             <a:r>
-              <a:rPr lang="en-US" smtClean="0"/>
+              <a:rPr lang="en-US"/>
               <a:t>Second level</a:t>
             </a:r>
           </a:p>
           <a:p>
             <a:pPr lvl="2"/>
             <a:r>
-              <a:rPr lang="en-US" smtClean="0"/>
+              <a:rPr lang="en-US"/>
               <a:t>Third level</a:t>
             </a:r>
           </a:p>
           <a:p>
             <a:pPr lvl="3"/>
             <a:r>
-              <a:rPr lang="en-US" smtClean="0"/>
+              <a:rPr lang="en-US"/>
               <a:t>Fourth level</a:t>
             </a:r>
           </a:p>
           <a:p>
             <a:pPr lvl="4"/>
             <a:r>
-              <a:rPr lang="en-US" smtClean="0"/>
+              <a:rPr lang="en-US"/>
               <a:t>Fifth level</a:t>
             </a:r>
-            <a:endParaRPr lang="en-US"/>
           </a:p>
         </p:txBody>
       </p:sp>
@@ -1350,7 +1356,7 @@
           <a:p>
             <a:fld id="{5BCAD085-E8A6-8845-BD4E-CB4CCA059FC4}" type="datetimeFigureOut">
               <a:rPr lang="en-US" smtClean="0"/>
-              <a:t>1/27/13</a:t>
+              <a:t>4/11/2025</a:t>
             </a:fld>
             <a:endParaRPr lang="en-US"/>
           </a:p>
@@ -1392,7 +1398,7 @@
           <a:p>
             <a:fld id="{C1FF6DA9-008F-8B48-92A6-B652298478BF}" type="slidenum">
               <a:rPr lang="en-US" smtClean="0"/>
-              <a:t>‹#›</a:t>
+              <a:t>‹N›</a:t>
             </a:fld>
             <a:endParaRPr lang="en-US"/>
           </a:p>
@@ -1448,10 +1454,9 @@
           </a:lstStyle>
           <a:p>
             <a:r>
-              <a:rPr lang="en-US" smtClean="0"/>
+              <a:rPr lang="en-US"/>
               <a:t>Click to edit Master title style</a:t>
             </a:r>
-            <a:endParaRPr lang="en-US"/>
           </a:p>
         </p:txBody>
       </p:sp>
@@ -1514,7 +1519,7 @@
           <a:p>
             <a:pPr lvl="0"/>
             <a:r>
-              <a:rPr lang="en-US" smtClean="0"/>
+              <a:rPr lang="en-US"/>
               <a:t>Click to edit Master text styles</a:t>
             </a:r>
           </a:p>
@@ -1570,38 +1575,37 @@
           <a:p>
             <a:pPr lvl="0"/>
             <a:r>
-              <a:rPr lang="en-US" smtClean="0"/>
+              <a:rPr lang="en-US"/>
               <a:t>Click to edit Master text styles</a:t>
             </a:r>
           </a:p>
           <a:p>
             <a:pPr lvl="1"/>
             <a:r>
-              <a:rPr lang="en-US" smtClean="0"/>
+              <a:rPr lang="en-US"/>
               <a:t>Second level</a:t>
             </a:r>
           </a:p>
           <a:p>
             <a:pPr lvl="2"/>
             <a:r>
-              <a:rPr lang="en-US" smtClean="0"/>
+              <a:rPr lang="en-US"/>
               <a:t>Third level</a:t>
             </a:r>
           </a:p>
           <a:p>
             <a:pPr lvl="3"/>
             <a:r>
-              <a:rPr lang="en-US" smtClean="0"/>
+              <a:rPr lang="en-US"/>
               <a:t>Fourth level</a:t>
             </a:r>
           </a:p>
           <a:p>
             <a:pPr lvl="4"/>
             <a:r>
-              <a:rPr lang="en-US" smtClean="0"/>
+              <a:rPr lang="en-US"/>
               <a:t>Fifth level</a:t>
             </a:r>
-            <a:endParaRPr lang="en-US"/>
           </a:p>
         </p:txBody>
       </p:sp>
@@ -1664,7 +1668,7 @@
           <a:p>
             <a:pPr lvl="0"/>
             <a:r>
-              <a:rPr lang="en-US" smtClean="0"/>
+              <a:rPr lang="en-US"/>
               <a:t>Click to edit Master text styles</a:t>
             </a:r>
           </a:p>
@@ -1720,38 +1724,37 @@
           <a:p>
             <a:pPr lvl="0"/>
             <a:r>
-              <a:rPr lang="en-US" smtClean="0"/>
+              <a:rPr lang="en-US"/>
               <a:t>Click to edit Master text styles</a:t>
             </a:r>
           </a:p>
           <a:p>
             <a:pPr lvl="1"/>
             <a:r>
-              <a:rPr lang="en-US" smtClean="0"/>
+              <a:rPr lang="en-US"/>
               <a:t>Second level</a:t>
             </a:r>
           </a:p>
           <a:p>
             <a:pPr lvl="2"/>
             <a:r>
-              <a:rPr lang="en-US" smtClean="0"/>
+              <a:rPr lang="en-US"/>
               <a:t>Third level</a:t>
             </a:r>
           </a:p>
           <a:p>
             <a:pPr lvl="3"/>
             <a:r>
-              <a:rPr lang="en-US" smtClean="0"/>
+              <a:rPr lang="en-US"/>
               <a:t>Fourth level</a:t>
             </a:r>
           </a:p>
           <a:p>
             <a:pPr lvl="4"/>
             <a:r>
-              <a:rPr lang="en-US" smtClean="0"/>
+              <a:rPr lang="en-US"/>
               <a:t>Fifth level</a:t>
             </a:r>
-            <a:endParaRPr lang="en-US"/>
           </a:p>
         </p:txBody>
       </p:sp>
@@ -1772,7 +1775,7 @@
           <a:p>
             <a:fld id="{5BCAD085-E8A6-8845-BD4E-CB4CCA059FC4}" type="datetimeFigureOut">
               <a:rPr lang="en-US" smtClean="0"/>
-              <a:t>1/27/13</a:t>
+              <a:t>4/11/2025</a:t>
             </a:fld>
             <a:endParaRPr lang="en-US"/>
           </a:p>
@@ -1814,7 +1817,7 @@
           <a:p>
             <a:fld id="{C1FF6DA9-008F-8B48-92A6-B652298478BF}" type="slidenum">
               <a:rPr lang="en-US" smtClean="0"/>
-              <a:t>‹#›</a:t>
+              <a:t>‹N›</a:t>
             </a:fld>
             <a:endParaRPr lang="en-US"/>
           </a:p>
@@ -1866,10 +1869,9 @@
           <a:lstStyle/>
           <a:p>
             <a:r>
-              <a:rPr lang="en-US" smtClean="0"/>
+              <a:rPr lang="en-US"/>
               <a:t>Click to edit Master title style</a:t>
             </a:r>
-            <a:endParaRPr lang="en-US"/>
           </a:p>
         </p:txBody>
       </p:sp>
@@ -1890,7 +1892,7 @@
           <a:p>
             <a:fld id="{5BCAD085-E8A6-8845-BD4E-CB4CCA059FC4}" type="datetimeFigureOut">
               <a:rPr lang="en-US" smtClean="0"/>
-              <a:t>1/27/13</a:t>
+              <a:t>4/11/2025</a:t>
             </a:fld>
             <a:endParaRPr lang="en-US"/>
           </a:p>
@@ -1932,7 +1934,7 @@
           <a:p>
             <a:fld id="{C1FF6DA9-008F-8B48-92A6-B652298478BF}" type="slidenum">
               <a:rPr lang="en-US" smtClean="0"/>
-              <a:t>‹#›</a:t>
+              <a:t>‹N›</a:t>
             </a:fld>
             <a:endParaRPr lang="en-US"/>
           </a:p>
@@ -1985,7 +1987,7 @@
           <a:p>
             <a:fld id="{5BCAD085-E8A6-8845-BD4E-CB4CCA059FC4}" type="datetimeFigureOut">
               <a:rPr lang="en-US" smtClean="0"/>
-              <a:t>1/27/13</a:t>
+              <a:t>4/11/2025</a:t>
             </a:fld>
             <a:endParaRPr lang="en-US"/>
           </a:p>
@@ -2027,7 +2029,7 @@
           <a:p>
             <a:fld id="{C1FF6DA9-008F-8B48-92A6-B652298478BF}" type="slidenum">
               <a:rPr lang="en-US" smtClean="0"/>
-              <a:t>‹#›</a:t>
+              <a:t>‹N›</a:t>
             </a:fld>
             <a:endParaRPr lang="en-US"/>
           </a:p>
@@ -2088,10 +2090,9 @@
           </a:lstStyle>
           <a:p>
             <a:r>
-              <a:rPr lang="en-US" smtClean="0"/>
+              <a:rPr lang="en-US"/>
               <a:t>Click to edit Master title style</a:t>
             </a:r>
-            <a:endParaRPr lang="en-US"/>
           </a:p>
         </p:txBody>
       </p:sp>
@@ -2145,38 +2146,37 @@
           <a:p>
             <a:pPr lvl="0"/>
             <a:r>
-              <a:rPr lang="en-US" smtClean="0"/>
+              <a:rPr lang="en-US"/>
               <a:t>Click to edit Master text styles</a:t>
             </a:r>
           </a:p>
           <a:p>
             <a:pPr lvl="1"/>
             <a:r>
-              <a:rPr lang="en-US" smtClean="0"/>
+              <a:rPr lang="en-US"/>
               <a:t>Second level</a:t>
             </a:r>
           </a:p>
           <a:p>
             <a:pPr lvl="2"/>
             <a:r>
-              <a:rPr lang="en-US" smtClean="0"/>
+              <a:rPr lang="en-US"/>
               <a:t>Third level</a:t>
             </a:r>
           </a:p>
           <a:p>
             <a:pPr lvl="3"/>
             <a:r>
-              <a:rPr lang="en-US" smtClean="0"/>
+              <a:rPr lang="en-US"/>
               <a:t>Fourth level</a:t>
             </a:r>
           </a:p>
           <a:p>
             <a:pPr lvl="4"/>
             <a:r>
-              <a:rPr lang="en-US" smtClean="0"/>
+              <a:rPr lang="en-US"/>
               <a:t>Fifth level</a:t>
             </a:r>
-            <a:endParaRPr lang="en-US"/>
           </a:p>
         </p:txBody>
       </p:sp>
@@ -2239,7 +2239,7 @@
           <a:p>
             <a:pPr lvl="0"/>
             <a:r>
-              <a:rPr lang="en-US" smtClean="0"/>
+              <a:rPr lang="en-US"/>
               <a:t>Click to edit Master text styles</a:t>
             </a:r>
           </a:p>
@@ -2262,7 +2262,7 @@
           <a:p>
             <a:fld id="{5BCAD085-E8A6-8845-BD4E-CB4CCA059FC4}" type="datetimeFigureOut">
               <a:rPr lang="en-US" smtClean="0"/>
-              <a:t>1/27/13</a:t>
+              <a:t>4/11/2025</a:t>
             </a:fld>
             <a:endParaRPr lang="en-US"/>
           </a:p>
@@ -2304,7 +2304,7 @@
           <a:p>
             <a:fld id="{C1FF6DA9-008F-8B48-92A6-B652298478BF}" type="slidenum">
               <a:rPr lang="en-US" smtClean="0"/>
-              <a:t>‹#›</a:t>
+              <a:t>‹N›</a:t>
             </a:fld>
             <a:endParaRPr lang="en-US"/>
           </a:p>
@@ -2365,10 +2365,9 @@
           </a:lstStyle>
           <a:p>
             <a:r>
-              <a:rPr lang="en-US" smtClean="0"/>
+              <a:rPr lang="en-US"/>
               <a:t>Click to edit Master title style</a:t>
             </a:r>
-            <a:endParaRPr lang="en-US"/>
           </a:p>
         </p:txBody>
       </p:sp>
@@ -2492,7 +2491,7 @@
           <a:p>
             <a:pPr lvl="0"/>
             <a:r>
-              <a:rPr lang="en-US" smtClean="0"/>
+              <a:rPr lang="en-US"/>
               <a:t>Click to edit Master text styles</a:t>
             </a:r>
           </a:p>
@@ -2515,7 +2514,7 @@
           <a:p>
             <a:fld id="{5BCAD085-E8A6-8845-BD4E-CB4CCA059FC4}" type="datetimeFigureOut">
               <a:rPr lang="en-US" smtClean="0"/>
-              <a:t>1/27/13</a:t>
+              <a:t>4/11/2025</a:t>
             </a:fld>
             <a:endParaRPr lang="en-US"/>
           </a:p>
@@ -2557,7 +2556,7 @@
           <a:p>
             <a:fld id="{C1FF6DA9-008F-8B48-92A6-B652298478BF}" type="slidenum">
               <a:rPr lang="en-US" smtClean="0"/>
-              <a:t>‹#›</a:t>
+              <a:t>‹N›</a:t>
             </a:fld>
             <a:endParaRPr lang="en-US"/>
           </a:p>
@@ -2624,10 +2623,9 @@
           <a:lstStyle/>
           <a:p>
             <a:r>
-              <a:rPr lang="en-US" smtClean="0"/>
+              <a:rPr lang="en-US"/>
               <a:t>Click to edit Master title style</a:t>
             </a:r>
-            <a:endParaRPr lang="en-US"/>
           </a:p>
         </p:txBody>
       </p:sp>
@@ -2658,38 +2656,37 @@
           <a:p>
             <a:pPr lvl="0"/>
             <a:r>
-              <a:rPr lang="en-US" smtClean="0"/>
+              <a:rPr lang="en-US"/>
               <a:t>Click to edit Master text styles</a:t>
             </a:r>
           </a:p>
           <a:p>
             <a:pPr lvl="1"/>
             <a:r>
-              <a:rPr lang="en-US" smtClean="0"/>
+              <a:rPr lang="en-US"/>
               <a:t>Second level</a:t>
             </a:r>
           </a:p>
           <a:p>
             <a:pPr lvl="2"/>
             <a:r>
-              <a:rPr lang="en-US" smtClean="0"/>
+              <a:rPr lang="en-US"/>
               <a:t>Third level</a:t>
             </a:r>
           </a:p>
           <a:p>
             <a:pPr lvl="3"/>
             <a:r>
-              <a:rPr lang="en-US" smtClean="0"/>
+              <a:rPr lang="en-US"/>
               <a:t>Fourth level</a:t>
             </a:r>
           </a:p>
           <a:p>
             <a:pPr lvl="4"/>
             <a:r>
-              <a:rPr lang="en-US" smtClean="0"/>
+              <a:rPr lang="en-US"/>
               <a:t>Fifth level</a:t>
             </a:r>
-            <a:endParaRPr lang="en-US"/>
           </a:p>
         </p:txBody>
       </p:sp>
@@ -2728,7 +2725,7 @@
           <a:p>
             <a:fld id="{5BCAD085-E8A6-8845-BD4E-CB4CCA059FC4}" type="datetimeFigureOut">
               <a:rPr lang="en-US" smtClean="0"/>
-              <a:t>1/27/13</a:t>
+              <a:t>4/11/2025</a:t>
             </a:fld>
             <a:endParaRPr lang="en-US"/>
           </a:p>
@@ -2806,7 +2803,7 @@
           <a:p>
             <a:fld id="{C1FF6DA9-008F-8B48-92A6-B652298478BF}" type="slidenum">
               <a:rPr lang="en-US" smtClean="0"/>
-              <a:t>‹#›</a:t>
+              <a:t>‹N›</a:t>
             </a:fld>
             <a:endParaRPr lang="en-US"/>
           </a:p>
@@ -3087,7 +3084,7 @@
 </file>
 
 <file path=ppt/slides/slide1.xml><?xml version="1.0" encoding="utf-8"?>
-<p:sld xmlns:a="http://schemas.openxmlformats.org/drawingml/2006/main" xmlns:p="http://schemas.openxmlformats.org/presentationml/2006/main" xmlns:r="http://schemas.openxmlformats.org/officeDocument/2006/relationships">
+<p:sld xmlns:a="http://schemas.openxmlformats.org/drawingml/2006/main" xmlns:r="http://schemas.openxmlformats.org/officeDocument/2006/relationships" xmlns:p="http://schemas.openxmlformats.org/presentationml/2006/main">
   <p:cSld>
     <p:spTree>
       <p:nvGrpSpPr>
@@ -3095,7 +3092,14 @@
         <p:cNvGrpSpPr/>
         <p:nvPr/>
       </p:nvGrpSpPr>
-      <p:grpSpPr/>
+      <p:grpSpPr>
+        <a:xfrm>
+          <a:off x="0" y="0"/>
+          <a:ext cx="0" cy="0"/>
+          <a:chOff x="0" y="0"/>
+          <a:chExt cx="0" cy="0"/>
+        </a:xfrm>
+      </p:grpSpPr>
       <p:sp>
         <p:nvSpPr>
           <p:cNvPr id="2" name="Title 1"/>
@@ -3135,6 +3139,333 @@
             <a:r>
               <a:t>Descrizione e sviluppo dell'applicazione</a:t>
             </a:r>
+          </a:p>
+        </p:txBody>
+      </p:sp>
+    </p:spTree>
+  </p:cSld>
+  <p:clrMapOvr>
+    <a:masterClrMapping/>
+  </p:clrMapOvr>
+</p:sld>
+</file>
+
+<file path=ppt/slides/slide10.xml><?xml version="1.0" encoding="utf-8"?>
+<p:sld xmlns:a="http://schemas.openxmlformats.org/drawingml/2006/main" xmlns:r="http://schemas.openxmlformats.org/officeDocument/2006/relationships" xmlns:p="http://schemas.openxmlformats.org/presentationml/2006/main">
+  <p:cSld>
+    <p:spTree>
+      <p:nvGrpSpPr>
+        <p:cNvPr id="1" name=""/>
+        <p:cNvGrpSpPr/>
+        <p:nvPr/>
+      </p:nvGrpSpPr>
+      <p:grpSpPr>
+        <a:xfrm>
+          <a:off x="0" y="0"/>
+          <a:ext cx="0" cy="0"/>
+          <a:chOff x="0" y="0"/>
+          <a:chExt cx="0" cy="0"/>
+        </a:xfrm>
+      </p:grpSpPr>
+      <p:sp>
+        <p:nvSpPr>
+          <p:cNvPr id="2" name="Titolo 1">
+            <a:extLst>
+              <a:ext uri="{FF2B5EF4-FFF2-40B4-BE49-F238E27FC236}">
+                <a16:creationId xmlns:a16="http://schemas.microsoft.com/office/drawing/2014/main" id="{BEEFB910-7D1D-1BC4-C9E1-97A5971C53CA}"/>
+              </a:ext>
+            </a:extLst>
+          </p:cNvPr>
+          <p:cNvSpPr>
+            <a:spLocks noGrp="1"/>
+          </p:cNvSpPr>
+          <p:nvPr>
+            <p:ph type="title"/>
+          </p:nvPr>
+        </p:nvSpPr>
+        <p:spPr/>
+        <p:txBody>
+          <a:bodyPr/>
+          <a:lstStyle/>
+          <a:p>
+            <a:r>
+              <a:rPr lang="it-IT" dirty="0" err="1"/>
+              <a:t>Wireframe</a:t>
+            </a:r>
+            <a:r>
+              <a:rPr lang="it-IT" dirty="0"/>
+              <a:t> </a:t>
+            </a:r>
+            <a:r>
+              <a:rPr lang="it-IT" dirty="0" err="1"/>
+              <a:t>BackEnd</a:t>
+            </a:r>
+            <a:endParaRPr lang="it-IT" dirty="0"/>
+          </a:p>
+        </p:txBody>
+      </p:sp>
+      <p:pic>
+        <p:nvPicPr>
+          <p:cNvPr id="5" name="Immagine 4" descr="Immagine che contiene testo, schermata, Rettangolo, Parallelo&#10;&#10;Il contenuto generato dall'IA potrebbe non essere corretto.">
+            <a:extLst>
+              <a:ext uri="{FF2B5EF4-FFF2-40B4-BE49-F238E27FC236}">
+                <a16:creationId xmlns:a16="http://schemas.microsoft.com/office/drawing/2014/main" id="{8C1B4AF0-81E1-0D61-FAC8-024FBF509E59}"/>
+              </a:ext>
+            </a:extLst>
+          </p:cNvPr>
+          <p:cNvPicPr>
+            <a:picLocks noChangeAspect="1"/>
+          </p:cNvPicPr>
+          <p:nvPr/>
+        </p:nvPicPr>
+        <p:blipFill>
+          <a:blip r:embed="rId2"/>
+          <a:stretch>
+            <a:fillRect/>
+          </a:stretch>
+        </p:blipFill>
+        <p:spPr>
+          <a:xfrm>
+            <a:off x="1360714" y="1042533"/>
+            <a:ext cx="5540829" cy="5540829"/>
+          </a:xfrm>
+          <a:prstGeom prst="rect">
+            <a:avLst/>
+          </a:prstGeom>
+        </p:spPr>
+      </p:pic>
+    </p:spTree>
+    <p:extLst>
+      <p:ext uri="{BB962C8B-B14F-4D97-AF65-F5344CB8AC3E}">
+        <p14:creationId xmlns:p14="http://schemas.microsoft.com/office/powerpoint/2010/main" val="2279851290"/>
+      </p:ext>
+    </p:extLst>
+  </p:cSld>
+  <p:clrMapOvr>
+    <a:masterClrMapping/>
+  </p:clrMapOvr>
+</p:sld>
+</file>
+
+<file path=ppt/slides/slide11.xml><?xml version="1.0" encoding="utf-8"?>
+<p:sld xmlns:a="http://schemas.openxmlformats.org/drawingml/2006/main" xmlns:r="http://schemas.openxmlformats.org/officeDocument/2006/relationships" xmlns:p="http://schemas.openxmlformats.org/presentationml/2006/main">
+  <p:cSld>
+    <p:spTree>
+      <p:nvGrpSpPr>
+        <p:cNvPr id="1" name=""/>
+        <p:cNvGrpSpPr/>
+        <p:nvPr/>
+      </p:nvGrpSpPr>
+      <p:grpSpPr>
+        <a:xfrm>
+          <a:off x="0" y="0"/>
+          <a:ext cx="0" cy="0"/>
+          <a:chOff x="0" y="0"/>
+          <a:chExt cx="0" cy="0"/>
+        </a:xfrm>
+      </p:grpSpPr>
+      <p:sp>
+        <p:nvSpPr>
+          <p:cNvPr id="2" name="Title 1"/>
+          <p:cNvSpPr>
+            <a:spLocks noGrp="1"/>
+          </p:cNvSpPr>
+          <p:nvPr>
+            <p:ph type="title"/>
+          </p:nvPr>
+        </p:nvSpPr>
+        <p:spPr/>
+        <p:txBody>
+          <a:bodyPr/>
+          <a:lstStyle/>
+          <a:p>
+            <a:r>
+              <a:t>Sviluppi Futuri</a:t>
+            </a:r>
+          </a:p>
+        </p:txBody>
+      </p:sp>
+      <p:sp>
+        <p:nvSpPr>
+          <p:cNvPr id="3" name="Content Placeholder 2"/>
+          <p:cNvSpPr>
+            <a:spLocks noGrp="1"/>
+          </p:cNvSpPr>
+          <p:nvPr>
+            <p:ph idx="1"/>
+          </p:nvPr>
+        </p:nvSpPr>
+        <p:spPr/>
+        <p:txBody>
+          <a:bodyPr>
+            <a:normAutofit fontScale="85000" lnSpcReduction="10000"/>
+          </a:bodyPr>
+          <a:lstStyle/>
+          <a:p>
+            <a:pPr algn="just"/>
+            <a:r>
+              <a:rPr dirty="0" err="1"/>
+              <a:t>Implementazione</a:t>
+            </a:r>
+            <a:r>
+              <a:rPr dirty="0"/>
+              <a:t> di Flask e Retrofit per </a:t>
+            </a:r>
+            <a:r>
+              <a:rPr dirty="0" err="1"/>
+              <a:t>comunicazione</a:t>
+            </a:r>
+            <a:r>
+              <a:rPr dirty="0"/>
+              <a:t> con server</a:t>
+            </a:r>
+            <a:r>
+              <a:rPr lang="it-IT" dirty="0"/>
+              <a:t>;</a:t>
+            </a:r>
+            <a:endParaRPr dirty="0"/>
+          </a:p>
+          <a:p>
+            <a:pPr algn="just"/>
+            <a:r>
+              <a:rPr dirty="0" err="1"/>
+              <a:t>Salvataggio</a:t>
+            </a:r>
+            <a:r>
+              <a:rPr dirty="0"/>
+              <a:t> </a:t>
+            </a:r>
+            <a:r>
+              <a:rPr dirty="0" err="1"/>
+              <a:t>dei</a:t>
+            </a:r>
+            <a:r>
+              <a:rPr dirty="0"/>
+              <a:t> </a:t>
+            </a:r>
+            <a:r>
+              <a:rPr dirty="0" err="1"/>
+              <a:t>dati</a:t>
+            </a:r>
+            <a:r>
+              <a:rPr dirty="0"/>
+              <a:t> </a:t>
+            </a:r>
+            <a:r>
+              <a:rPr dirty="0" err="1"/>
+              <a:t>nel</a:t>
+            </a:r>
+            <a:r>
+              <a:rPr dirty="0"/>
+              <a:t> database </a:t>
+            </a:r>
+            <a:r>
+              <a:rPr lang="it-IT" dirty="0"/>
+              <a:t>anziché</a:t>
+            </a:r>
+            <a:r>
+              <a:rPr dirty="0"/>
+              <a:t> in locale</a:t>
+            </a:r>
+            <a:r>
+              <a:rPr lang="it-IT" dirty="0"/>
+              <a:t>;</a:t>
+            </a:r>
+          </a:p>
+          <a:p>
+            <a:pPr algn="just"/>
+            <a:r>
+              <a:rPr lang="it-IT" dirty="0"/>
+              <a:t>Migliore navigabilità dell’applicazione;</a:t>
+            </a:r>
+            <a:endParaRPr dirty="0"/>
+          </a:p>
+          <a:p>
+            <a:pPr algn="just"/>
+            <a:r>
+              <a:rPr lang="it-IT" dirty="0"/>
+              <a:t>Implementazione della logica necessaria a personalizzare le schede e programmare gli esercizi;</a:t>
+            </a:r>
+            <a:endParaRPr dirty="0"/>
+          </a:p>
+          <a:p>
+            <a:pPr algn="just"/>
+            <a:r>
+              <a:rPr dirty="0" err="1"/>
+              <a:t>Sviluppo</a:t>
+            </a:r>
+            <a:r>
+              <a:rPr dirty="0"/>
+              <a:t> del </a:t>
+            </a:r>
+            <a:r>
+              <a:rPr dirty="0" err="1"/>
+              <a:t>sito</a:t>
+            </a:r>
+            <a:r>
+              <a:rPr dirty="0"/>
+              <a:t> web con accesso ai </a:t>
+            </a:r>
+            <a:r>
+              <a:rPr dirty="0" err="1"/>
+              <a:t>dati</a:t>
+            </a:r>
+            <a:r>
+              <a:rPr dirty="0"/>
+              <a:t> </a:t>
+            </a:r>
+            <a:r>
+              <a:rPr dirty="0" err="1"/>
+              <a:t>utente</a:t>
+            </a:r>
+            <a:r>
+              <a:rPr lang="it-IT" dirty="0"/>
+              <a:t>;</a:t>
+            </a:r>
+            <a:endParaRPr dirty="0"/>
+          </a:p>
+          <a:p>
+            <a:pPr algn="just"/>
+            <a:r>
+              <a:rPr dirty="0" err="1"/>
+              <a:t>Implementazione</a:t>
+            </a:r>
+            <a:r>
+              <a:rPr dirty="0"/>
+              <a:t> del back-office per la </a:t>
+            </a:r>
+            <a:r>
+              <a:rPr dirty="0" err="1"/>
+              <a:t>gestione</a:t>
+            </a:r>
+            <a:r>
+              <a:rPr dirty="0"/>
+              <a:t> </a:t>
+            </a:r>
+            <a:r>
+              <a:rPr dirty="0" err="1"/>
+              <a:t>dei</a:t>
+            </a:r>
+            <a:r>
+              <a:rPr dirty="0"/>
+              <a:t> </a:t>
+            </a:r>
+            <a:r>
+              <a:rPr dirty="0" err="1"/>
+              <a:t>dati</a:t>
+            </a:r>
+            <a:r>
+              <a:rPr lang="it-IT" dirty="0"/>
+              <a:t>;</a:t>
+            </a:r>
+          </a:p>
+          <a:p>
+            <a:pPr algn="just"/>
+            <a:r>
+              <a:rPr lang="it-IT" dirty="0"/>
+              <a:t>Veste grafica.</a:t>
+            </a:r>
+            <a:endParaRPr dirty="0"/>
           </a:p>
         </p:txBody>
       </p:sp>
@@ -3147,7 +3478,7 @@
 </file>
 
 <file path=ppt/slides/slide2.xml><?xml version="1.0" encoding="utf-8"?>
-<p:sld xmlns:a="http://schemas.openxmlformats.org/drawingml/2006/main" xmlns:p="http://schemas.openxmlformats.org/presentationml/2006/main" xmlns:r="http://schemas.openxmlformats.org/officeDocument/2006/relationships">
+<p:sld xmlns:a="http://schemas.openxmlformats.org/drawingml/2006/main" xmlns:r="http://schemas.openxmlformats.org/officeDocument/2006/relationships" xmlns:p="http://schemas.openxmlformats.org/presentationml/2006/main">
   <p:cSld>
     <p:spTree>
       <p:nvGrpSpPr>
@@ -3155,7 +3486,14 @@
         <p:cNvGrpSpPr/>
         <p:nvPr/>
       </p:nvGrpSpPr>
-      <p:grpSpPr/>
+      <p:grpSpPr>
+        <a:xfrm>
+          <a:off x="0" y="0"/>
+          <a:ext cx="0" cy="0"/>
+          <a:chOff x="0" y="0"/>
+          <a:chExt cx="0" cy="0"/>
+        </a:xfrm>
+      </p:grpSpPr>
       <p:sp>
         <p:nvSpPr>
           <p:cNvPr id="2" name="Title 1"/>
@@ -3189,28 +3527,137 @@
         </p:nvSpPr>
         <p:spPr/>
         <p:txBody>
-          <a:bodyPr/>
-          <a:lstStyle/>
-          <a:p>
-            <a:r>
-              <a:t>GitFit è un'app Android che consente di organizzare esercizi e gestire le schede di allenamento. </a:t>
-            </a:r>
-          </a:p>
-          <a:p/>
-          <a:p>
-            <a:r>
-              <a:t>- Lista di esercizi predefiniti</a:t>
-            </a:r>
-          </a:p>
-          <a:p>
-            <a:r>
-              <a:t>- Calendario per tracciare gli allenamenti</a:t>
-            </a:r>
-          </a:p>
-          <a:p>
-            <a:r>
-              <a:t>- Personalizzazione delle schede di allenamento</a:t>
-            </a:r>
+          <a:bodyPr>
+            <a:normAutofit/>
+          </a:bodyPr>
+          <a:lstStyle/>
+          <a:p>
+            <a:pPr marL="0" indent="0" algn="just">
+              <a:buNone/>
+            </a:pPr>
+            <a:r>
+              <a:rPr dirty="0" err="1"/>
+              <a:t>GitFit</a:t>
+            </a:r>
+            <a:r>
+              <a:rPr dirty="0"/>
+              <a:t> è </a:t>
+            </a:r>
+            <a:r>
+              <a:rPr dirty="0" err="1"/>
+              <a:t>un'app</a:t>
+            </a:r>
+            <a:r>
+              <a:rPr dirty="0"/>
+              <a:t> Android </a:t>
+            </a:r>
+            <a:r>
+              <a:rPr dirty="0" err="1"/>
+              <a:t>che</a:t>
+            </a:r>
+            <a:r>
+              <a:rPr dirty="0"/>
+              <a:t> </a:t>
+            </a:r>
+            <a:r>
+              <a:rPr lang="it-IT" dirty="0"/>
+              <a:t>ha come obiettivo fornire all’utente i mezzi per</a:t>
+            </a:r>
+            <a:r>
+              <a:rPr dirty="0"/>
+              <a:t> </a:t>
+            </a:r>
+            <a:r>
+              <a:rPr dirty="0" err="1"/>
+              <a:t>organizzare</a:t>
+            </a:r>
+            <a:r>
+              <a:rPr lang="it-IT" dirty="0"/>
+              <a:t> le proprie sessioni di allenamento tramite:</a:t>
+            </a:r>
+          </a:p>
+          <a:p>
+            <a:pPr algn="just"/>
+            <a:r>
+              <a:rPr lang="it-IT" dirty="0"/>
+              <a:t>Consultazione di una lista di esercizi esempio;</a:t>
+            </a:r>
+          </a:p>
+          <a:p>
+            <a:pPr algn="just"/>
+            <a:r>
+              <a:rPr dirty="0"/>
+              <a:t>Calendario per </a:t>
+            </a:r>
+            <a:r>
+              <a:rPr dirty="0" err="1"/>
+              <a:t>tracciare</a:t>
+            </a:r>
+            <a:r>
+              <a:rPr dirty="0"/>
+              <a:t> </a:t>
+            </a:r>
+            <a:r>
+              <a:rPr dirty="0" err="1"/>
+              <a:t>gli</a:t>
+            </a:r>
+            <a:r>
+              <a:rPr dirty="0"/>
+              <a:t> </a:t>
+            </a:r>
+            <a:r>
+              <a:rPr dirty="0" err="1"/>
+              <a:t>allenamenti</a:t>
+            </a:r>
+            <a:r>
+              <a:rPr lang="it-IT" dirty="0"/>
+              <a:t>;</a:t>
+            </a:r>
+            <a:endParaRPr dirty="0"/>
+          </a:p>
+          <a:p>
+            <a:pPr algn="just"/>
+            <a:r>
+              <a:rPr dirty="0" err="1"/>
+              <a:t>Personalizzazione</a:t>
+            </a:r>
+            <a:r>
+              <a:rPr lang="it-IT" dirty="0"/>
+              <a:t> e gestione</a:t>
+            </a:r>
+            <a:r>
+              <a:rPr dirty="0"/>
+              <a:t> </a:t>
+            </a:r>
+            <a:r>
+              <a:rPr dirty="0" err="1"/>
+              <a:t>delle</a:t>
+            </a:r>
+            <a:r>
+              <a:rPr lang="it-IT" dirty="0"/>
+              <a:t> proprie</a:t>
+            </a:r>
+            <a:r>
+              <a:rPr dirty="0"/>
+              <a:t> </a:t>
+            </a:r>
+            <a:r>
+              <a:rPr dirty="0" err="1"/>
+              <a:t>schede</a:t>
+            </a:r>
+            <a:r>
+              <a:rPr dirty="0"/>
+              <a:t> di </a:t>
+            </a:r>
+            <a:r>
+              <a:rPr dirty="0" err="1"/>
+              <a:t>allenamento</a:t>
+            </a:r>
+            <a:r>
+              <a:rPr lang="it-IT" dirty="0"/>
+              <a:t>.</a:t>
+            </a:r>
+            <a:endParaRPr dirty="0"/>
           </a:p>
         </p:txBody>
       </p:sp>
@@ -3223,7 +3670,7 @@
 </file>
 
 <file path=ppt/slides/slide3.xml><?xml version="1.0" encoding="utf-8"?>
-<p:sld xmlns:a="http://schemas.openxmlformats.org/drawingml/2006/main" xmlns:p="http://schemas.openxmlformats.org/presentationml/2006/main" xmlns:r="http://schemas.openxmlformats.org/officeDocument/2006/relationships">
+<p:sld xmlns:a="http://schemas.openxmlformats.org/drawingml/2006/main" xmlns:r="http://schemas.openxmlformats.org/officeDocument/2006/relationships" xmlns:p="http://schemas.openxmlformats.org/presentationml/2006/main">
   <p:cSld>
     <p:spTree>
       <p:nvGrpSpPr>
@@ -3231,7 +3678,14 @@
         <p:cNvGrpSpPr/>
         <p:nvPr/>
       </p:nvGrpSpPr>
-      <p:grpSpPr/>
+      <p:grpSpPr>
+        <a:xfrm>
+          <a:off x="0" y="0"/>
+          <a:ext cx="0" cy="0"/>
+          <a:chOff x="0" y="0"/>
+          <a:chExt cx="0" cy="0"/>
+        </a:xfrm>
+      </p:grpSpPr>
       <p:sp>
         <p:nvSpPr>
           <p:cNvPr id="2" name="Title 1"/>
@@ -3268,25 +3722,147 @@
           <a:bodyPr/>
           <a:lstStyle/>
           <a:p>
-            <a:r>
-              <a:t>L'obiettivo è semplificare l'organizzazione degli allenamenti, sia a casa che in palestra. </a:t>
-            </a:r>
-          </a:p>
-          <a:p/>
-          <a:p>
-            <a:r>
-              <a:t>- Creazione, modifica e cancellazione di liste di esercizi</a:t>
-            </a:r>
-          </a:p>
-          <a:p>
-            <a:r>
-              <a:t>- Creazione di routine personalizzate</a:t>
-            </a:r>
-          </a:p>
-          <a:p>
-            <a:r>
-              <a:t>- Supporto all'utente prima, durante e dopo gli allenamenti</a:t>
-            </a:r>
+            <a:pPr algn="just"/>
+            <a:endParaRPr lang="it-IT" dirty="0"/>
+          </a:p>
+          <a:p>
+            <a:pPr algn="just"/>
+            <a:r>
+              <a:rPr dirty="0" err="1"/>
+              <a:t>L'obiettivo</a:t>
+            </a:r>
+            <a:r>
+              <a:rPr dirty="0"/>
+              <a:t> è </a:t>
+            </a:r>
+            <a:r>
+              <a:rPr dirty="0" err="1"/>
+              <a:t>semplificare</a:t>
+            </a:r>
+            <a:r>
+              <a:rPr dirty="0"/>
+              <a:t> </a:t>
+            </a:r>
+            <a:r>
+              <a:rPr dirty="0" err="1"/>
+              <a:t>l'organizzazione</a:t>
+            </a:r>
+            <a:r>
+              <a:rPr dirty="0"/>
+              <a:t> </a:t>
+            </a:r>
+            <a:r>
+              <a:rPr dirty="0" err="1"/>
+              <a:t>degli</a:t>
+            </a:r>
+            <a:r>
+              <a:rPr dirty="0"/>
+              <a:t> </a:t>
+            </a:r>
+            <a:r>
+              <a:rPr dirty="0" err="1"/>
+              <a:t>allenamenti</a:t>
+            </a:r>
+            <a:r>
+              <a:rPr dirty="0"/>
+              <a:t>, </a:t>
+            </a:r>
+            <a:r>
+              <a:rPr dirty="0" err="1"/>
+              <a:t>sia</a:t>
+            </a:r>
+            <a:r>
+              <a:rPr dirty="0"/>
+              <a:t> a casa </a:t>
+            </a:r>
+            <a:r>
+              <a:rPr dirty="0" err="1"/>
+              <a:t>che</a:t>
+            </a:r>
+            <a:r>
+              <a:rPr dirty="0"/>
+              <a:t> in palestra</a:t>
+            </a:r>
+            <a:r>
+              <a:rPr lang="it-IT" dirty="0"/>
+              <a:t>;</a:t>
+            </a:r>
+            <a:r>
+              <a:rPr dirty="0"/>
+              <a:t> </a:t>
+            </a:r>
+            <a:endParaRPr lang="it-IT" dirty="0"/>
+          </a:p>
+          <a:p>
+            <a:pPr algn="just"/>
+            <a:endParaRPr dirty="0"/>
+          </a:p>
+          <a:p>
+            <a:pPr algn="just"/>
+            <a:r>
+              <a:rPr dirty="0" err="1"/>
+              <a:t>Creazione</a:t>
+            </a:r>
+            <a:r>
+              <a:rPr dirty="0"/>
+              <a:t> di routine </a:t>
+            </a:r>
+            <a:r>
+              <a:rPr dirty="0" err="1"/>
+              <a:t>personalizzate</a:t>
+            </a:r>
+            <a:r>
+              <a:rPr lang="it-IT" dirty="0"/>
+              <a:t>;</a:t>
+            </a:r>
+          </a:p>
+          <a:p>
+            <a:pPr algn="just"/>
+            <a:endParaRPr dirty="0"/>
+          </a:p>
+          <a:p>
+            <a:pPr algn="just"/>
+            <a:r>
+              <a:rPr dirty="0" err="1"/>
+              <a:t>Supporto</a:t>
+            </a:r>
+            <a:r>
+              <a:rPr dirty="0"/>
+              <a:t> </a:t>
+            </a:r>
+            <a:r>
+              <a:rPr dirty="0" err="1"/>
+              <a:t>all'utente</a:t>
+            </a:r>
+            <a:r>
+              <a:rPr dirty="0"/>
+              <a:t> prima, </a:t>
+            </a:r>
+            <a:r>
+              <a:rPr dirty="0" err="1"/>
+              <a:t>durante</a:t>
+            </a:r>
+            <a:r>
+              <a:rPr dirty="0"/>
+              <a:t> e dopo </a:t>
+            </a:r>
+            <a:r>
+              <a:rPr dirty="0" err="1"/>
+              <a:t>gli</a:t>
+            </a:r>
+            <a:r>
+              <a:rPr dirty="0"/>
+              <a:t> </a:t>
+            </a:r>
+            <a:r>
+              <a:rPr dirty="0" err="1"/>
+              <a:t>allenamenti</a:t>
+            </a:r>
+            <a:r>
+              <a:rPr lang="it-IT" dirty="0"/>
+              <a:t>.</a:t>
+            </a:r>
+            <a:endParaRPr dirty="0"/>
           </a:p>
         </p:txBody>
       </p:sp>
@@ -3299,7 +3875,7 @@
 </file>
 
 <file path=ppt/slides/slide4.xml><?xml version="1.0" encoding="utf-8"?>
-<p:sld xmlns:a="http://schemas.openxmlformats.org/drawingml/2006/main" xmlns:p="http://schemas.openxmlformats.org/presentationml/2006/main" xmlns:r="http://schemas.openxmlformats.org/officeDocument/2006/relationships">
+<p:sld xmlns:a="http://schemas.openxmlformats.org/drawingml/2006/main" xmlns:r="http://schemas.openxmlformats.org/officeDocument/2006/relationships" xmlns:p="http://schemas.openxmlformats.org/presentationml/2006/main">
   <p:cSld>
     <p:spTree>
       <p:nvGrpSpPr>
@@ -3307,7 +3883,14 @@
         <p:cNvGrpSpPr/>
         <p:nvPr/>
       </p:nvGrpSpPr>
-      <p:grpSpPr/>
+      <p:grpSpPr>
+        <a:xfrm>
+          <a:off x="0" y="0"/>
+          <a:ext cx="0" cy="0"/>
+          <a:chOff x="0" y="0"/>
+          <a:chExt cx="0" cy="0"/>
+        </a:xfrm>
+      </p:grpSpPr>
       <p:sp>
         <p:nvSpPr>
           <p:cNvPr id="2" name="Title 1"/>
@@ -3344,20 +3927,191 @@
           <a:bodyPr/>
           <a:lstStyle/>
           <a:p>
-            <a:r>
-              <a:t>L'app comunica con un database per mantenere i dati utente e utilizza il telefono per salvare informazioni nel calendario.</a:t>
-            </a:r>
-          </a:p>
-          <a:p/>
-          <a:p>
-            <a:r>
-              <a:t>- Database: gestione e consultazione dei dati utente</a:t>
-            </a:r>
-          </a:p>
-          <a:p>
-            <a:r>
-              <a:t>- App: memorizzazione locale degli allenamenti</a:t>
-            </a:r>
+            <a:pPr algn="just"/>
+            <a:r>
+              <a:rPr dirty="0" err="1"/>
+              <a:t>L'app</a:t>
+            </a:r>
+            <a:r>
+              <a:rPr dirty="0"/>
+              <a:t> </a:t>
+            </a:r>
+            <a:r>
+              <a:rPr lang="it-IT" dirty="0"/>
+              <a:t>vuole comunicare</a:t>
+            </a:r>
+            <a:r>
+              <a:rPr dirty="0"/>
+              <a:t> con un database per </a:t>
+            </a:r>
+            <a:r>
+              <a:rPr dirty="0" err="1"/>
+              <a:t>mantenere</a:t>
+            </a:r>
+            <a:r>
+              <a:rPr dirty="0"/>
+              <a:t> </a:t>
+            </a:r>
+            <a:r>
+              <a:rPr dirty="0" err="1"/>
+              <a:t>i</a:t>
+            </a:r>
+            <a:r>
+              <a:rPr dirty="0"/>
+              <a:t> </a:t>
+            </a:r>
+            <a:r>
+              <a:rPr dirty="0" err="1"/>
+              <a:t>dati</a:t>
+            </a:r>
+            <a:r>
+              <a:rPr dirty="0"/>
+              <a:t> </a:t>
+            </a:r>
+            <a:r>
+              <a:rPr dirty="0" err="1"/>
+              <a:t>utente</a:t>
+            </a:r>
+            <a:r>
+              <a:rPr dirty="0"/>
+              <a:t> e </a:t>
+            </a:r>
+            <a:r>
+              <a:rPr dirty="0" err="1"/>
+              <a:t>utilizza</a:t>
+            </a:r>
+            <a:r>
+              <a:rPr dirty="0"/>
+              <a:t> il </a:t>
+            </a:r>
+            <a:r>
+              <a:rPr dirty="0" err="1"/>
+              <a:t>telefono</a:t>
+            </a:r>
+            <a:r>
+              <a:rPr dirty="0"/>
+              <a:t> per </a:t>
+            </a:r>
+            <a:r>
+              <a:rPr dirty="0" err="1"/>
+              <a:t>salvare</a:t>
+            </a:r>
+            <a:r>
+              <a:rPr dirty="0"/>
+              <a:t> </a:t>
+            </a:r>
+            <a:r>
+              <a:rPr dirty="0" err="1"/>
+              <a:t>informazioni</a:t>
+            </a:r>
+            <a:r>
+              <a:rPr dirty="0"/>
+              <a:t> </a:t>
+            </a:r>
+            <a:r>
+              <a:rPr dirty="0" err="1"/>
+              <a:t>nel</a:t>
+            </a:r>
+            <a:r>
+              <a:rPr dirty="0"/>
+              <a:t> </a:t>
+            </a:r>
+            <a:r>
+              <a:rPr dirty="0" err="1"/>
+              <a:t>calendario</a:t>
+            </a:r>
+            <a:r>
+              <a:rPr lang="it-IT" dirty="0"/>
+              <a:t>;</a:t>
+            </a:r>
+            <a:endParaRPr dirty="0"/>
+          </a:p>
+          <a:p>
+            <a:pPr algn="just"/>
+            <a:endParaRPr dirty="0"/>
+          </a:p>
+          <a:p>
+            <a:pPr algn="just"/>
+            <a:r>
+              <a:rPr dirty="0"/>
+              <a:t>Database: </a:t>
+            </a:r>
+            <a:r>
+              <a:rPr dirty="0" err="1"/>
+              <a:t>gestione</a:t>
+            </a:r>
+            <a:r>
+              <a:rPr dirty="0"/>
+              <a:t> e </a:t>
+            </a:r>
+            <a:r>
+              <a:rPr dirty="0" err="1"/>
+              <a:t>consultazione</a:t>
+            </a:r>
+            <a:r>
+              <a:rPr dirty="0"/>
+              <a:t> </a:t>
+            </a:r>
+            <a:r>
+              <a:rPr dirty="0" err="1"/>
+              <a:t>dei</a:t>
+            </a:r>
+            <a:r>
+              <a:rPr dirty="0"/>
+              <a:t> </a:t>
+            </a:r>
+            <a:r>
+              <a:rPr dirty="0" err="1"/>
+              <a:t>dati</a:t>
+            </a:r>
+            <a:r>
+              <a:rPr dirty="0"/>
+              <a:t> </a:t>
+            </a:r>
+            <a:r>
+              <a:rPr dirty="0" err="1"/>
+              <a:t>utente</a:t>
+            </a:r>
+            <a:r>
+              <a:rPr lang="it-IT" dirty="0"/>
+              <a:t>;</a:t>
+            </a:r>
+          </a:p>
+          <a:p>
+            <a:pPr algn="just"/>
+            <a:endParaRPr dirty="0"/>
+          </a:p>
+          <a:p>
+            <a:pPr algn="just"/>
+            <a:r>
+              <a:rPr dirty="0"/>
+              <a:t>App: </a:t>
+            </a:r>
+            <a:r>
+              <a:rPr dirty="0" err="1"/>
+              <a:t>memorizzazione</a:t>
+            </a:r>
+            <a:r>
+              <a:rPr dirty="0"/>
+              <a:t> locale </a:t>
+            </a:r>
+            <a:r>
+              <a:rPr dirty="0" err="1"/>
+              <a:t>degli</a:t>
+            </a:r>
+            <a:r>
+              <a:rPr dirty="0"/>
+              <a:t> </a:t>
+            </a:r>
+            <a:r>
+              <a:rPr dirty="0" err="1"/>
+              <a:t>allenamenti</a:t>
+            </a:r>
+            <a:r>
+              <a:rPr lang="it-IT" dirty="0"/>
+              <a:t>.</a:t>
+            </a:r>
+            <a:endParaRPr dirty="0"/>
           </a:p>
         </p:txBody>
       </p:sp>
@@ -3370,7 +4124,7 @@
 </file>
 
 <file path=ppt/slides/slide5.xml><?xml version="1.0" encoding="utf-8"?>
-<p:sld xmlns:a="http://schemas.openxmlformats.org/drawingml/2006/main" xmlns:p="http://schemas.openxmlformats.org/presentationml/2006/main" xmlns:r="http://schemas.openxmlformats.org/officeDocument/2006/relationships">
+<p:sld xmlns:a="http://schemas.openxmlformats.org/drawingml/2006/main" xmlns:r="http://schemas.openxmlformats.org/officeDocument/2006/relationships" xmlns:p="http://schemas.openxmlformats.org/presentationml/2006/main">
   <p:cSld>
     <p:spTree>
       <p:nvGrpSpPr>
@@ -3378,7 +4132,14 @@
         <p:cNvGrpSpPr/>
         <p:nvPr/>
       </p:nvGrpSpPr>
-      <p:grpSpPr/>
+      <p:grpSpPr>
+        <a:xfrm>
+          <a:off x="0" y="0"/>
+          <a:ext cx="0" cy="0"/>
+          <a:chOff x="0" y="0"/>
+          <a:chExt cx="0" cy="0"/>
+        </a:xfrm>
+      </p:grpSpPr>
       <p:sp>
         <p:nvSpPr>
           <p:cNvPr id="2" name="Title 1"/>
@@ -3412,32 +4173,173 @@
         </p:nvSpPr>
         <p:spPr/>
         <p:txBody>
-          <a:bodyPr/>
-          <a:lstStyle/>
-          <a:p>
-            <a:r>
-              <a:t>- Draw.io: Creazione dei primi prototipi</a:t>
-            </a:r>
-          </a:p>
-          <a:p>
-            <a:r>
-              <a:t>- Figma: Design dei wireframe e storyboard</a:t>
-            </a:r>
-          </a:p>
-          <a:p>
-            <a:r>
-              <a:t>- Android Studio: Sviluppo e test dell'app</a:t>
-            </a:r>
-          </a:p>
-          <a:p>
-            <a:r>
-              <a:t>- MySQL: Archiviazione dati utente</a:t>
-            </a:r>
-          </a:p>
-          <a:p>
-            <a:r>
-              <a:t>- Retrofit e Flask: Comunicazione con server (non ancora implementati)</a:t>
-            </a:r>
+          <a:bodyPr>
+            <a:normAutofit/>
+          </a:bodyPr>
+          <a:lstStyle/>
+          <a:p>
+            <a:pPr algn="just"/>
+            <a:endParaRPr lang="it-IT" dirty="0"/>
+          </a:p>
+          <a:p>
+            <a:pPr algn="just"/>
+            <a:r>
+              <a:rPr dirty="0"/>
+              <a:t>Draw.io: </a:t>
+            </a:r>
+            <a:r>
+              <a:rPr dirty="0" err="1"/>
+              <a:t>Creazione</a:t>
+            </a:r>
+            <a:r>
+              <a:rPr dirty="0"/>
+              <a:t> </a:t>
+            </a:r>
+            <a:r>
+              <a:rPr dirty="0" err="1"/>
+              <a:t>dei</a:t>
+            </a:r>
+            <a:r>
+              <a:rPr dirty="0"/>
+              <a:t> </a:t>
+            </a:r>
+            <a:r>
+              <a:rPr dirty="0" err="1"/>
+              <a:t>primi</a:t>
+            </a:r>
+            <a:r>
+              <a:rPr dirty="0"/>
+              <a:t> </a:t>
+            </a:r>
+            <a:r>
+              <a:rPr dirty="0" err="1"/>
+              <a:t>prototipi</a:t>
+            </a:r>
+            <a:r>
+              <a:rPr lang="it-IT" dirty="0"/>
+              <a:t>;</a:t>
+            </a:r>
+            <a:endParaRPr dirty="0"/>
+          </a:p>
+          <a:p>
+            <a:pPr algn="just"/>
+            <a:r>
+              <a:rPr dirty="0"/>
+              <a:t>Figma: Design </a:t>
+            </a:r>
+            <a:r>
+              <a:rPr dirty="0" err="1"/>
+              <a:t>dei</a:t>
+            </a:r>
+            <a:r>
+              <a:rPr dirty="0"/>
+              <a:t> wireframe e storyboard</a:t>
+            </a:r>
+            <a:r>
+              <a:rPr lang="it-IT" dirty="0"/>
+              <a:t>;</a:t>
+            </a:r>
+            <a:endParaRPr dirty="0"/>
+          </a:p>
+          <a:p>
+            <a:pPr algn="just"/>
+            <a:r>
+              <a:rPr dirty="0"/>
+              <a:t>Android Studio: </a:t>
+            </a:r>
+            <a:r>
+              <a:rPr dirty="0" err="1"/>
+              <a:t>Sviluppo</a:t>
+            </a:r>
+            <a:r>
+              <a:rPr dirty="0"/>
+              <a:t> e test </a:t>
+            </a:r>
+            <a:r>
+              <a:rPr dirty="0" err="1"/>
+              <a:t>dell'app</a:t>
+            </a:r>
+            <a:r>
+              <a:rPr lang="it-IT" dirty="0"/>
+              <a:t>;</a:t>
+            </a:r>
+            <a:endParaRPr dirty="0"/>
+          </a:p>
+          <a:p>
+            <a:pPr algn="just"/>
+            <a:r>
+              <a:rPr dirty="0"/>
+              <a:t>MySQL: </a:t>
+            </a:r>
+            <a:r>
+              <a:rPr dirty="0" err="1"/>
+              <a:t>Archiviazione</a:t>
+            </a:r>
+            <a:r>
+              <a:rPr dirty="0"/>
+              <a:t> </a:t>
+            </a:r>
+            <a:r>
+              <a:rPr dirty="0" err="1"/>
+              <a:t>dati</a:t>
+            </a:r>
+            <a:r>
+              <a:rPr dirty="0"/>
+              <a:t> </a:t>
+            </a:r>
+            <a:r>
+              <a:rPr dirty="0" err="1"/>
+              <a:t>utente</a:t>
+            </a:r>
+            <a:r>
+              <a:rPr lang="it-IT" dirty="0"/>
+              <a:t>;</a:t>
+            </a:r>
+            <a:endParaRPr dirty="0"/>
+          </a:p>
+          <a:p>
+            <a:pPr algn="just"/>
+            <a:r>
+              <a:rPr dirty="0"/>
+              <a:t>Retrofit e Flask: </a:t>
+            </a:r>
+            <a:r>
+              <a:rPr dirty="0" err="1"/>
+              <a:t>Comunicazione</a:t>
+            </a:r>
+            <a:r>
+              <a:rPr dirty="0"/>
+              <a:t> con server (non </a:t>
+            </a:r>
+            <a:r>
+              <a:rPr dirty="0" err="1"/>
+              <a:t>ancora</a:t>
+            </a:r>
+            <a:r>
+              <a:rPr lang="it-IT" dirty="0"/>
+              <a:t> </a:t>
+            </a:r>
+            <a:r>
+              <a:rPr lang="it-IT" dirty="0" err="1"/>
+              <a:t>pienamento</a:t>
+            </a:r>
+            <a:r>
+              <a:rPr dirty="0"/>
+              <a:t> </a:t>
+            </a:r>
+            <a:r>
+              <a:rPr dirty="0" err="1"/>
+              <a:t>implementati</a:t>
+            </a:r>
+            <a:r>
+              <a:rPr dirty="0"/>
+              <a:t>)</a:t>
+            </a:r>
+            <a:r>
+              <a:rPr lang="it-IT" dirty="0"/>
+              <a:t>.</a:t>
+            </a:r>
+            <a:endParaRPr dirty="0"/>
           </a:p>
         </p:txBody>
       </p:sp>
@@ -3450,7 +4352,7 @@
 </file>
 
 <file path=ppt/slides/slide6.xml><?xml version="1.0" encoding="utf-8"?>
-<p:sld xmlns:a="http://schemas.openxmlformats.org/drawingml/2006/main" xmlns:p="http://schemas.openxmlformats.org/presentationml/2006/main" xmlns:r="http://schemas.openxmlformats.org/officeDocument/2006/relationships">
+<p:sld xmlns:a="http://schemas.openxmlformats.org/drawingml/2006/main" xmlns:r="http://schemas.openxmlformats.org/officeDocument/2006/relationships" xmlns:p="http://schemas.openxmlformats.org/presentationml/2006/main">
   <p:cSld>
     <p:spTree>
       <p:nvGrpSpPr>
@@ -3458,7 +4360,14 @@
         <p:cNvGrpSpPr/>
         <p:nvPr/>
       </p:nvGrpSpPr>
-      <p:grpSpPr/>
+      <p:grpSpPr>
+        <a:xfrm>
+          <a:off x="0" y="0"/>
+          <a:ext cx="0" cy="0"/>
+          <a:chOff x="0" y="0"/>
+          <a:chExt cx="0" cy="0"/>
+        </a:xfrm>
+      </p:grpSpPr>
       <p:sp>
         <p:nvSpPr>
           <p:cNvPr id="2" name="Title 1"/>
@@ -3495,19 +4404,124 @@
           <a:bodyPr/>
           <a:lstStyle/>
           <a:p>
-            <a:r>
-              <a:t>- Java: Codice principale dell'app</a:t>
-            </a:r>
-          </a:p>
-          <a:p>
-            <a:r>
-              <a:t>- SQL: Gestione e analisi dei dati</a:t>
-            </a:r>
-          </a:p>
-          <a:p>
-            <a:r>
-              <a:t>- HTML e JavaScript: Sviluppo della web app e interfaccia back-office</a:t>
-            </a:r>
+            <a:pPr algn="just"/>
+            <a:endParaRPr lang="it-IT" dirty="0"/>
+          </a:p>
+          <a:p>
+            <a:pPr algn="just"/>
+            <a:r>
+              <a:rPr dirty="0"/>
+              <a:t>Java: </a:t>
+            </a:r>
+            <a:r>
+              <a:rPr dirty="0" err="1"/>
+              <a:t>Codice</a:t>
+            </a:r>
+            <a:r>
+              <a:rPr dirty="0"/>
+              <a:t> </a:t>
+            </a:r>
+            <a:r>
+              <a:rPr dirty="0" err="1"/>
+              <a:t>principale</a:t>
+            </a:r>
+            <a:r>
+              <a:rPr dirty="0"/>
+              <a:t> </a:t>
+            </a:r>
+            <a:r>
+              <a:rPr dirty="0" err="1"/>
+              <a:t>dell'app</a:t>
+            </a:r>
+            <a:r>
+              <a:rPr lang="it-IT" dirty="0"/>
+              <a:t>;</a:t>
+            </a:r>
+            <a:endParaRPr dirty="0"/>
+          </a:p>
+          <a:p>
+            <a:pPr algn="just"/>
+            <a:endParaRPr lang="it-IT" dirty="0"/>
+          </a:p>
+          <a:p>
+            <a:pPr algn="just"/>
+            <a:r>
+              <a:rPr dirty="0"/>
+              <a:t>SQL: </a:t>
+            </a:r>
+            <a:r>
+              <a:rPr dirty="0" err="1"/>
+              <a:t>Gestione</a:t>
+            </a:r>
+            <a:r>
+              <a:rPr dirty="0"/>
+              <a:t> e </a:t>
+            </a:r>
+            <a:r>
+              <a:rPr dirty="0" err="1"/>
+              <a:t>analisi</a:t>
+            </a:r>
+            <a:r>
+              <a:rPr dirty="0"/>
+              <a:t> </a:t>
+            </a:r>
+            <a:r>
+              <a:rPr dirty="0" err="1"/>
+              <a:t>dei</a:t>
+            </a:r>
+            <a:r>
+              <a:rPr dirty="0"/>
+              <a:t> </a:t>
+            </a:r>
+            <a:r>
+              <a:rPr dirty="0" err="1"/>
+              <a:t>dati</a:t>
+            </a:r>
+            <a:r>
+              <a:rPr lang="it-IT" dirty="0"/>
+              <a:t>;</a:t>
+            </a:r>
+            <a:endParaRPr dirty="0"/>
+          </a:p>
+          <a:p>
+            <a:pPr algn="just"/>
+            <a:endParaRPr lang="it-IT" dirty="0"/>
+          </a:p>
+          <a:p>
+            <a:pPr algn="just"/>
+            <a:r>
+              <a:rPr dirty="0"/>
+              <a:t>HTML e JavaScript: </a:t>
+            </a:r>
+            <a:r>
+              <a:rPr dirty="0" err="1"/>
+              <a:t>Sviluppo</a:t>
+            </a:r>
+            <a:r>
+              <a:rPr dirty="0"/>
+              <a:t> </a:t>
+            </a:r>
+            <a:r>
+              <a:rPr dirty="0" err="1"/>
+              <a:t>della</a:t>
+            </a:r>
+            <a:r>
+              <a:rPr dirty="0"/>
+              <a:t> web app e </a:t>
+            </a:r>
+            <a:r>
+              <a:rPr dirty="0" err="1"/>
+              <a:t>interfaccia</a:t>
+            </a:r>
+            <a:r>
+              <a:rPr dirty="0"/>
+              <a:t> back-office</a:t>
+            </a:r>
+            <a:r>
+              <a:rPr lang="it-IT" dirty="0"/>
+              <a:t>(non ancora pienamente implementati).</a:t>
+            </a:r>
+            <a:endParaRPr dirty="0"/>
           </a:p>
         </p:txBody>
       </p:sp>
@@ -3520,7 +4534,7 @@
 </file>
 
 <file path=ppt/slides/slide7.xml><?xml version="1.0" encoding="utf-8"?>
-<p:sld xmlns:a="http://schemas.openxmlformats.org/drawingml/2006/main" xmlns:p="http://schemas.openxmlformats.org/presentationml/2006/main" xmlns:r="http://schemas.openxmlformats.org/officeDocument/2006/relationships">
+<p:sld xmlns:a="http://schemas.openxmlformats.org/drawingml/2006/main" xmlns:r="http://schemas.openxmlformats.org/officeDocument/2006/relationships" xmlns:p="http://schemas.openxmlformats.org/presentationml/2006/main">
   <p:cSld>
     <p:spTree>
       <p:nvGrpSpPr>
@@ -3528,7 +4542,14 @@
         <p:cNvGrpSpPr/>
         <p:nvPr/>
       </p:nvGrpSpPr>
-      <p:grpSpPr/>
+      <p:grpSpPr>
+        <a:xfrm>
+          <a:off x="0" y="0"/>
+          <a:ext cx="0" cy="0"/>
+          <a:chOff x="0" y="0"/>
+          <a:chExt cx="0" cy="0"/>
+        </a:xfrm>
+      </p:grpSpPr>
       <p:sp>
         <p:nvSpPr>
           <p:cNvPr id="2" name="Title 1"/>
@@ -3562,28 +4583,164 @@
         </p:nvSpPr>
         <p:spPr/>
         <p:txBody>
-          <a:bodyPr/>
-          <a:lstStyle/>
-          <a:p>
-            <a:r>
-              <a:t>Il modello ER definisce le relazioni tra entità.</a:t>
-            </a:r>
-          </a:p>
-          <a:p/>
-          <a:p>
-            <a:r>
-              <a:t>- Gli esercizi sono organizzati in schede</a:t>
-            </a:r>
-          </a:p>
-          <a:p>
-            <a:r>
-              <a:t>- I dati vengono associati alle date per monitorare i progressi</a:t>
-            </a:r>
-          </a:p>
-          <a:p>
-            <a:r>
-              <a:t>- Il sistema registra gli obiettivi raggiunti dall'utente</a:t>
-            </a:r>
+          <a:bodyPr>
+            <a:normAutofit/>
+          </a:bodyPr>
+          <a:lstStyle/>
+          <a:p>
+            <a:pPr algn="just"/>
+            <a:endParaRPr lang="it-IT" dirty="0"/>
+          </a:p>
+          <a:p>
+            <a:pPr algn="just"/>
+            <a:r>
+              <a:rPr dirty="0"/>
+              <a:t>Il </a:t>
+            </a:r>
+            <a:r>
+              <a:rPr dirty="0" err="1"/>
+              <a:t>modello</a:t>
+            </a:r>
+            <a:r>
+              <a:rPr dirty="0"/>
+              <a:t> ER </a:t>
+            </a:r>
+            <a:r>
+              <a:rPr dirty="0" err="1"/>
+              <a:t>definisce</a:t>
+            </a:r>
+            <a:r>
+              <a:rPr dirty="0"/>
+              <a:t> le </a:t>
+            </a:r>
+            <a:r>
+              <a:rPr dirty="0" err="1"/>
+              <a:t>relazioni</a:t>
+            </a:r>
+            <a:r>
+              <a:rPr dirty="0"/>
+              <a:t> </a:t>
+            </a:r>
+            <a:r>
+              <a:rPr dirty="0" err="1"/>
+              <a:t>tra</a:t>
+            </a:r>
+            <a:r>
+              <a:rPr dirty="0"/>
+              <a:t> </a:t>
+            </a:r>
+            <a:r>
+              <a:rPr dirty="0" err="1"/>
+              <a:t>entità</a:t>
+            </a:r>
+            <a:r>
+              <a:rPr lang="it-IT" dirty="0"/>
+              <a:t>;</a:t>
+            </a:r>
+          </a:p>
+          <a:p>
+            <a:pPr algn="just"/>
+            <a:r>
+              <a:rPr dirty="0"/>
+              <a:t>Gli </a:t>
+            </a:r>
+            <a:r>
+              <a:rPr dirty="0" err="1"/>
+              <a:t>esercizi</a:t>
+            </a:r>
+            <a:r>
+              <a:rPr dirty="0"/>
+              <a:t> </a:t>
+            </a:r>
+            <a:r>
+              <a:rPr dirty="0" err="1"/>
+              <a:t>sono</a:t>
+            </a:r>
+            <a:r>
+              <a:rPr dirty="0"/>
+              <a:t> </a:t>
+            </a:r>
+            <a:r>
+              <a:rPr dirty="0" err="1"/>
+              <a:t>organizzati</a:t>
+            </a:r>
+            <a:r>
+              <a:rPr dirty="0"/>
+              <a:t> in </a:t>
+            </a:r>
+            <a:r>
+              <a:rPr lang="it-IT" dirty="0"/>
+              <a:t>un elenco, da cui è possibile consultarne le informazioni aggiuntive;</a:t>
+            </a:r>
+            <a:r>
+              <a:rPr dirty="0"/>
+              <a:t> </a:t>
+            </a:r>
+            <a:endParaRPr lang="it-IT" dirty="0"/>
+          </a:p>
+          <a:p>
+            <a:pPr algn="just"/>
+            <a:r>
+              <a:rPr dirty="0"/>
+              <a:t>Il </a:t>
+            </a:r>
+            <a:r>
+              <a:rPr dirty="0" err="1"/>
+              <a:t>sistema</a:t>
+            </a:r>
+            <a:r>
+              <a:rPr dirty="0"/>
+              <a:t> </a:t>
+            </a:r>
+            <a:r>
+              <a:rPr lang="it-IT" dirty="0"/>
+              <a:t>permette di </a:t>
+            </a:r>
+            <a:r>
+              <a:rPr dirty="0" err="1"/>
+              <a:t>registra</a:t>
+            </a:r>
+            <a:r>
+              <a:rPr lang="it-IT" dirty="0"/>
+              <a:t>re</a:t>
+            </a:r>
+            <a:r>
+              <a:rPr dirty="0"/>
+              <a:t> </a:t>
+            </a:r>
+            <a:r>
+              <a:rPr dirty="0" err="1"/>
+              <a:t>gli</a:t>
+            </a:r>
+            <a:r>
+              <a:rPr dirty="0"/>
+              <a:t> </a:t>
+            </a:r>
+            <a:r>
+              <a:rPr lang="it-IT" dirty="0"/>
+              <a:t>allenamenti</a:t>
+            </a:r>
+            <a:r>
+              <a:rPr dirty="0"/>
+              <a:t> </a:t>
+            </a:r>
+            <a:r>
+              <a:rPr lang="it-IT" dirty="0"/>
+              <a:t>svolti</a:t>
+            </a:r>
+            <a:r>
+              <a:rPr dirty="0"/>
+              <a:t> </a:t>
+            </a:r>
+            <a:r>
+              <a:rPr dirty="0" err="1"/>
+              <a:t>dall'utente</a:t>
+            </a:r>
+            <a:r>
+              <a:rPr lang="it-IT" dirty="0"/>
+              <a:t>, che può poi consultarli dal calendario.</a:t>
+            </a:r>
+            <a:endParaRPr dirty="0"/>
           </a:p>
         </p:txBody>
       </p:sp>
@@ -3596,7 +4753,7 @@
 </file>
 
 <file path=ppt/slides/slide8.xml><?xml version="1.0" encoding="utf-8"?>
-<p:sld xmlns:a="http://schemas.openxmlformats.org/drawingml/2006/main" xmlns:p="http://schemas.openxmlformats.org/presentationml/2006/main" xmlns:r="http://schemas.openxmlformats.org/officeDocument/2006/relationships">
+<p:sld xmlns:a="http://schemas.openxmlformats.org/drawingml/2006/main" xmlns:r="http://schemas.openxmlformats.org/officeDocument/2006/relationships" xmlns:p="http://schemas.openxmlformats.org/presentationml/2006/main">
   <p:cSld>
     <p:spTree>
       <p:nvGrpSpPr>
@@ -3604,7 +4761,14 @@
         <p:cNvGrpSpPr/>
         <p:nvPr/>
       </p:nvGrpSpPr>
-      <p:grpSpPr/>
+      <p:grpSpPr>
+        <a:xfrm>
+          <a:off x="0" y="0"/>
+          <a:ext cx="0" cy="0"/>
+          <a:chOff x="0" y="0"/>
+          <a:chExt cx="0" cy="0"/>
+        </a:xfrm>
+      </p:grpSpPr>
       <p:sp>
         <p:nvSpPr>
           <p:cNvPr id="2" name="Title 1"/>
@@ -3638,22 +4802,161 @@
         </p:nvSpPr>
         <p:spPr/>
         <p:txBody>
-          <a:bodyPr/>
-          <a:lstStyle/>
-          <a:p>
-            <a:r>
-              <a:t>- L'app si apre sulla schermata principale dopo il login</a:t>
-            </a:r>
-          </a:p>
-          <a:p>
-            <a:r>
-              <a:t>- Primo avvio: domande per personalizzare l'esperienza</a:t>
-            </a:r>
-          </a:p>
-          <a:p>
-            <a:r>
-              <a:t>- Accesso rapido al calendario per il monitoraggio dei progressi</a:t>
-            </a:r>
+          <a:bodyPr>
+            <a:normAutofit/>
+          </a:bodyPr>
+          <a:lstStyle/>
+          <a:p>
+            <a:pPr algn="just"/>
+            <a:r>
+              <a:rPr dirty="0" err="1"/>
+              <a:t>L'app</a:t>
+            </a:r>
+            <a:r>
+              <a:rPr dirty="0"/>
+              <a:t> </a:t>
+            </a:r>
+            <a:r>
+              <a:rPr dirty="0" err="1"/>
+              <a:t>si</a:t>
+            </a:r>
+            <a:r>
+              <a:rPr dirty="0"/>
+              <a:t> </a:t>
+            </a:r>
+            <a:r>
+              <a:rPr dirty="0" err="1"/>
+              <a:t>apre</a:t>
+            </a:r>
+            <a:r>
+              <a:rPr dirty="0"/>
+              <a:t> </a:t>
+            </a:r>
+            <a:r>
+              <a:rPr dirty="0" err="1"/>
+              <a:t>sulla</a:t>
+            </a:r>
+            <a:r>
+              <a:rPr dirty="0"/>
+              <a:t> </a:t>
+            </a:r>
+            <a:r>
+              <a:rPr dirty="0" err="1"/>
+              <a:t>schermata</a:t>
+            </a:r>
+            <a:r>
+              <a:rPr dirty="0"/>
+              <a:t> </a:t>
+            </a:r>
+            <a:r>
+              <a:rPr dirty="0" err="1"/>
+              <a:t>principale</a:t>
+            </a:r>
+            <a:r>
+              <a:rPr dirty="0"/>
+              <a:t> dopo il login</a:t>
+            </a:r>
+            <a:r>
+              <a:rPr lang="it-IT" dirty="0"/>
+              <a:t>;</a:t>
+            </a:r>
+            <a:endParaRPr dirty="0"/>
+          </a:p>
+          <a:p>
+            <a:pPr algn="just"/>
+            <a:endParaRPr lang="it-IT" dirty="0"/>
+          </a:p>
+          <a:p>
+            <a:pPr algn="just"/>
+            <a:r>
+              <a:rPr dirty="0"/>
+              <a:t>Primo </a:t>
+            </a:r>
+            <a:r>
+              <a:rPr dirty="0" err="1"/>
+              <a:t>avvio</a:t>
+            </a:r>
+            <a:r>
+              <a:rPr dirty="0"/>
+              <a:t>: </a:t>
+            </a:r>
+            <a:r>
+              <a:rPr dirty="0" err="1"/>
+              <a:t>domande</a:t>
+            </a:r>
+            <a:r>
+              <a:rPr dirty="0"/>
+              <a:t> per </a:t>
+            </a:r>
+            <a:r>
+              <a:rPr dirty="0" err="1"/>
+              <a:t>personalizzare</a:t>
+            </a:r>
+            <a:r>
+              <a:rPr dirty="0"/>
+              <a:t> </a:t>
+            </a:r>
+            <a:r>
+              <a:rPr dirty="0" err="1"/>
+              <a:t>l'esperienza</a:t>
+            </a:r>
+            <a:r>
+              <a:rPr lang="it-IT" dirty="0"/>
+              <a:t>;</a:t>
+            </a:r>
+            <a:endParaRPr dirty="0"/>
+          </a:p>
+          <a:p>
+            <a:pPr algn="just"/>
+            <a:endParaRPr lang="it-IT" dirty="0"/>
+          </a:p>
+          <a:p>
+            <a:pPr algn="just"/>
+            <a:r>
+              <a:rPr dirty="0"/>
+              <a:t>Accesso </a:t>
+            </a:r>
+            <a:r>
+              <a:rPr dirty="0" err="1"/>
+              <a:t>rapido</a:t>
+            </a:r>
+            <a:r>
+              <a:rPr dirty="0"/>
+              <a:t> al </a:t>
+            </a:r>
+            <a:r>
+              <a:rPr dirty="0" err="1"/>
+              <a:t>calendario</a:t>
+            </a:r>
+            <a:r>
+              <a:rPr dirty="0"/>
+              <a:t> per il </a:t>
+            </a:r>
+            <a:r>
+              <a:rPr dirty="0" err="1"/>
+              <a:t>monitoraggio</a:t>
+            </a:r>
+            <a:r>
+              <a:rPr dirty="0"/>
+              <a:t> </a:t>
+            </a:r>
+            <a:r>
+              <a:rPr dirty="0" err="1"/>
+              <a:t>dei</a:t>
+            </a:r>
+            <a:r>
+              <a:rPr dirty="0"/>
+              <a:t> </a:t>
+            </a:r>
+            <a:r>
+              <a:rPr dirty="0" err="1"/>
+              <a:t>progressi</a:t>
+            </a:r>
+            <a:r>
+              <a:rPr lang="it-IT" dirty="0"/>
+              <a:t>.</a:t>
+            </a:r>
+            <a:endParaRPr dirty="0"/>
           </a:p>
         </p:txBody>
       </p:sp>
@@ -3666,7 +4969,7 @@
 </file>
 
 <file path=ppt/slides/slide9.xml><?xml version="1.0" encoding="utf-8"?>
-<p:sld xmlns:a="http://schemas.openxmlformats.org/drawingml/2006/main" xmlns:p="http://schemas.openxmlformats.org/presentationml/2006/main" xmlns:r="http://schemas.openxmlformats.org/officeDocument/2006/relationships">
+<p:sld xmlns:a="http://schemas.openxmlformats.org/drawingml/2006/main" xmlns:r="http://schemas.openxmlformats.org/officeDocument/2006/relationships" xmlns:p="http://schemas.openxmlformats.org/presentationml/2006/main">
   <p:cSld>
     <p:spTree>
       <p:nvGrpSpPr>
@@ -3674,10 +4977,23 @@
         <p:cNvGrpSpPr/>
         <p:nvPr/>
       </p:nvGrpSpPr>
-      <p:grpSpPr/>
-      <p:sp>
-        <p:nvSpPr>
-          <p:cNvPr id="2" name="Title 1"/>
+      <p:grpSpPr>
+        <a:xfrm>
+          <a:off x="0" y="0"/>
+          <a:ext cx="0" cy="0"/>
+          <a:chOff x="0" y="0"/>
+          <a:chExt cx="0" cy="0"/>
+        </a:xfrm>
+      </p:grpSpPr>
+      <p:sp>
+        <p:nvSpPr>
+          <p:cNvPr id="2" name="Titolo 1">
+            <a:extLst>
+              <a:ext uri="{FF2B5EF4-FFF2-40B4-BE49-F238E27FC236}">
+                <a16:creationId xmlns:a16="http://schemas.microsoft.com/office/drawing/2014/main" id="{EB758B8E-9557-954B-A2CF-7D21072FEF42}"/>
+              </a:ext>
+            </a:extLst>
+          </p:cNvPr>
           <p:cNvSpPr>
             <a:spLocks noGrp="1"/>
           </p:cNvSpPr>
@@ -3687,57 +5003,58 @@
         </p:nvSpPr>
         <p:spPr/>
         <p:txBody>
-          <a:bodyPr/>
-          <a:lstStyle/>
-          <a:p>
-            <a:r>
-              <a:t>Sviluppi Futuri</a:t>
-            </a:r>
-          </a:p>
-        </p:txBody>
-      </p:sp>
-      <p:sp>
-        <p:nvSpPr>
-          <p:cNvPr id="3" name="Content Placeholder 2"/>
-          <p:cNvSpPr>
-            <a:spLocks noGrp="1"/>
-          </p:cNvSpPr>
-          <p:nvPr>
-            <p:ph idx="1"/>
-          </p:nvPr>
-        </p:nvSpPr>
-        <p:spPr/>
-        <p:txBody>
-          <a:bodyPr/>
-          <a:lstStyle/>
-          <a:p>
-            <a:r>
-              <a:t>- Implementazione di Flask e Retrofit per comunicazione con server</a:t>
-            </a:r>
-          </a:p>
-          <a:p>
-            <a:r>
-              <a:t>- Salvataggio dei dati nel database invece che in locale</a:t>
-            </a:r>
-          </a:p>
-          <a:p>
-            <a:r>
-              <a:t>- Creazione di una logica per l'esecuzione sequenziale degli esercizi</a:t>
-            </a:r>
-          </a:p>
-          <a:p>
-            <a:r>
-              <a:t>- Sviluppo del sito web con accesso ai dati utente</a:t>
-            </a:r>
-          </a:p>
-          <a:p>
-            <a:r>
-              <a:t>- Implementazione del back-office per la gestione dei dati</a:t>
-            </a:r>
-          </a:p>
-        </p:txBody>
-      </p:sp>
+          <a:bodyPr>
+            <a:normAutofit/>
+          </a:bodyPr>
+          <a:lstStyle/>
+          <a:p>
+            <a:r>
+              <a:rPr lang="it-IT" dirty="0" err="1"/>
+              <a:t>Wireframe</a:t>
+            </a:r>
+            <a:r>
+              <a:rPr lang="it-IT" dirty="0"/>
+              <a:t> App e Web</a:t>
+            </a:r>
+          </a:p>
+        </p:txBody>
+      </p:sp>
+      <p:pic>
+        <p:nvPicPr>
+          <p:cNvPr id="5" name="Immagine 4" descr="Immagine che contiene testo, schermata, diagramma, Piano&#10;&#10;Il contenuto generato dall'IA potrebbe non essere corretto.">
+            <a:extLst>
+              <a:ext uri="{FF2B5EF4-FFF2-40B4-BE49-F238E27FC236}">
+                <a16:creationId xmlns:a16="http://schemas.microsoft.com/office/drawing/2014/main" id="{59D9D201-1AE1-71CB-622D-DCBD848F82E2}"/>
+              </a:ext>
+            </a:extLst>
+          </p:cNvPr>
+          <p:cNvPicPr>
+            <a:picLocks noChangeAspect="1"/>
+          </p:cNvPicPr>
+          <p:nvPr/>
+        </p:nvPicPr>
+        <p:blipFill>
+          <a:blip r:embed="rId2"/>
+          <a:stretch>
+            <a:fillRect/>
+          </a:stretch>
+        </p:blipFill>
+        <p:spPr>
+          <a:xfrm>
+            <a:off x="0" y="1981921"/>
+            <a:ext cx="9144000" cy="2894158"/>
+          </a:xfrm>
+          <a:prstGeom prst="rect">
+            <a:avLst/>
+          </a:prstGeom>
+        </p:spPr>
+      </p:pic>
     </p:spTree>
+    <p:extLst>
+      <p:ext uri="{BB962C8B-B14F-4D97-AF65-F5344CB8AC3E}">
+        <p14:creationId xmlns:p14="http://schemas.microsoft.com/office/powerpoint/2010/main" val="1530963520"/>
+      </p:ext>
+    </p:extLst>
   </p:cSld>
   <p:clrMapOvr>
     <a:masterClrMapping/>
